--- a/Unit-4/Multimodal-GenAI.pptx
+++ b/Unit-4/Multimodal-GenAI.pptx
@@ -115,6 +115,11 @@
       </a:defRPr>
     </a:lvl9pPr>
   </p:defaultTextStyle>
+  <p:extLst>
+    <p:ext uri="{EFAFB233-063F-42B5-8137-9DF3F51BA10A}">
+      <p15:sldGuideLst xmlns:p15="http://schemas.microsoft.com/office/powerpoint/2012/main"/>
+    </p:ext>
+  </p:extLst>
 </p:presentation>
 </file>
 
@@ -267,7 +272,7 @@
           <a:p>
             <a:fld id="{B0EEFD28-A853-40FB-B4AE-68944E4514C4}" type="datetimeFigureOut">
               <a:rPr lang="en-IN" smtClean="0"/>
-              <a:t>08-11-2024</a:t>
+              <a:t>23-11-2024</a:t>
             </a:fld>
             <a:endParaRPr lang="en-IN"/>
           </a:p>
@@ -467,7 +472,7 @@
           <a:p>
             <a:fld id="{B0EEFD28-A853-40FB-B4AE-68944E4514C4}" type="datetimeFigureOut">
               <a:rPr lang="en-IN" smtClean="0"/>
-              <a:t>08-11-2024</a:t>
+              <a:t>23-11-2024</a:t>
             </a:fld>
             <a:endParaRPr lang="en-IN"/>
           </a:p>
@@ -677,7 +682,7 @@
           <a:p>
             <a:fld id="{B0EEFD28-A853-40FB-B4AE-68944E4514C4}" type="datetimeFigureOut">
               <a:rPr lang="en-IN" smtClean="0"/>
-              <a:t>08-11-2024</a:t>
+              <a:t>23-11-2024</a:t>
             </a:fld>
             <a:endParaRPr lang="en-IN"/>
           </a:p>
@@ -877,7 +882,7 @@
           <a:p>
             <a:fld id="{B0EEFD28-A853-40FB-B4AE-68944E4514C4}" type="datetimeFigureOut">
               <a:rPr lang="en-IN" smtClean="0"/>
-              <a:t>08-11-2024</a:t>
+              <a:t>23-11-2024</a:t>
             </a:fld>
             <a:endParaRPr lang="en-IN"/>
           </a:p>
@@ -1153,7 +1158,7 @@
           <a:p>
             <a:fld id="{B0EEFD28-A853-40FB-B4AE-68944E4514C4}" type="datetimeFigureOut">
               <a:rPr lang="en-IN" smtClean="0"/>
-              <a:t>08-11-2024</a:t>
+              <a:t>23-11-2024</a:t>
             </a:fld>
             <a:endParaRPr lang="en-IN"/>
           </a:p>
@@ -1421,7 +1426,7 @@
           <a:p>
             <a:fld id="{B0EEFD28-A853-40FB-B4AE-68944E4514C4}" type="datetimeFigureOut">
               <a:rPr lang="en-IN" smtClean="0"/>
-              <a:t>08-11-2024</a:t>
+              <a:t>23-11-2024</a:t>
             </a:fld>
             <a:endParaRPr lang="en-IN"/>
           </a:p>
@@ -1836,7 +1841,7 @@
           <a:p>
             <a:fld id="{B0EEFD28-A853-40FB-B4AE-68944E4514C4}" type="datetimeFigureOut">
               <a:rPr lang="en-IN" smtClean="0"/>
-              <a:t>08-11-2024</a:t>
+              <a:t>23-11-2024</a:t>
             </a:fld>
             <a:endParaRPr lang="en-IN"/>
           </a:p>
@@ -1978,7 +1983,7 @@
           <a:p>
             <a:fld id="{B0EEFD28-A853-40FB-B4AE-68944E4514C4}" type="datetimeFigureOut">
               <a:rPr lang="en-IN" smtClean="0"/>
-              <a:t>08-11-2024</a:t>
+              <a:t>23-11-2024</a:t>
             </a:fld>
             <a:endParaRPr lang="en-IN"/>
           </a:p>
@@ -2091,7 +2096,7 @@
           <a:p>
             <a:fld id="{B0EEFD28-A853-40FB-B4AE-68944E4514C4}" type="datetimeFigureOut">
               <a:rPr lang="en-IN" smtClean="0"/>
-              <a:t>08-11-2024</a:t>
+              <a:t>23-11-2024</a:t>
             </a:fld>
             <a:endParaRPr lang="en-IN"/>
           </a:p>
@@ -2404,7 +2409,7 @@
           <a:p>
             <a:fld id="{B0EEFD28-A853-40FB-B4AE-68944E4514C4}" type="datetimeFigureOut">
               <a:rPr lang="en-IN" smtClean="0"/>
-              <a:t>08-11-2024</a:t>
+              <a:t>23-11-2024</a:t>
             </a:fld>
             <a:endParaRPr lang="en-IN"/>
           </a:p>
@@ -2693,7 +2698,7 @@
           <a:p>
             <a:fld id="{B0EEFD28-A853-40FB-B4AE-68944E4514C4}" type="datetimeFigureOut">
               <a:rPr lang="en-IN" smtClean="0"/>
-              <a:t>08-11-2024</a:t>
+              <a:t>23-11-2024</a:t>
             </a:fld>
             <a:endParaRPr lang="en-IN"/>
           </a:p>
@@ -2936,7 +2941,7 @@
           <a:p>
             <a:fld id="{B0EEFD28-A853-40FB-B4AE-68944E4514C4}" type="datetimeFigureOut">
               <a:rPr lang="en-IN" smtClean="0"/>
-              <a:t>08-11-2024</a:t>
+              <a:t>23-11-2024</a:t>
             </a:fld>
             <a:endParaRPr lang="en-IN"/>
           </a:p>
@@ -4512,7 +4517,7 @@
             <a:pPr lvl="1"/>
             <a:r>
               <a:rPr lang="en-US" b="1" dirty="0"/>
-              <a:t>DALL-E and DALL-E 2</a:t>
+              <a:t>DALL-E and DALL-E 2 and stable diffusion</a:t>
             </a:r>
             <a:r>
               <a:rPr lang="en-US" dirty="0"/>
